--- a/C++资料包/string/menacher.pptx
+++ b/C++资料包/string/menacher.pptx
@@ -3188,7 +3188,7 @@
         <a:spcBef>
           <a:spcPts val="1000"/>
         </a:spcBef>
-        <a:buFont typeface="Arial" panose="020B0604020202020204" pitchFamily="34" charset="0"/>
+        <a:buFont typeface="Arial" panose="02080604020202020204" pitchFamily="34" charset="0"/>
         <a:buChar char="•"/>
         <a:defRPr sz="2400" kern="1200">
           <a:solidFill>
@@ -3206,7 +3206,7 @@
         <a:spcBef>
           <a:spcPts val="500"/>
         </a:spcBef>
-        <a:buFont typeface="Arial" panose="020B0604020202020204" pitchFamily="34" charset="0"/>
+        <a:buFont typeface="Arial" panose="02080604020202020204" pitchFamily="34" charset="0"/>
         <a:buChar char="•"/>
         <a:defRPr sz="2000" kern="1200">
           <a:solidFill>
@@ -3224,7 +3224,7 @@
         <a:spcBef>
           <a:spcPts val="500"/>
         </a:spcBef>
-        <a:buFont typeface="Arial" panose="020B0604020202020204" pitchFamily="34" charset="0"/>
+        <a:buFont typeface="Arial" panose="02080604020202020204" pitchFamily="34" charset="0"/>
         <a:buChar char="•"/>
         <a:defRPr sz="1800" kern="1200">
           <a:solidFill>
@@ -3242,7 +3242,7 @@
         <a:spcBef>
           <a:spcPts val="500"/>
         </a:spcBef>
-        <a:buFont typeface="Arial" panose="020B0604020202020204" pitchFamily="34" charset="0"/>
+        <a:buFont typeface="Arial" panose="02080604020202020204" pitchFamily="34" charset="0"/>
         <a:buChar char="•"/>
         <a:defRPr sz="1800" kern="1200">
           <a:solidFill>
@@ -3260,7 +3260,7 @@
         <a:spcBef>
           <a:spcPts val="500"/>
         </a:spcBef>
-        <a:buFont typeface="Arial" panose="020B0604020202020204" pitchFamily="34" charset="0"/>
+        <a:buFont typeface="Arial" panose="02080604020202020204" pitchFamily="34" charset="0"/>
         <a:buChar char="•"/>
         <a:defRPr sz="1800" kern="1200">
           <a:solidFill>
@@ -3278,7 +3278,7 @@
         <a:spcBef>
           <a:spcPts val="500"/>
         </a:spcBef>
-        <a:buFont typeface="Arial" panose="020B0604020202020204" pitchFamily="34" charset="0"/>
+        <a:buFont typeface="Arial" panose="02080604020202020204" pitchFamily="34" charset="0"/>
         <a:buChar char="•"/>
         <a:defRPr sz="1800" kern="1200">
           <a:solidFill>
@@ -3296,7 +3296,7 @@
         <a:spcBef>
           <a:spcPts val="500"/>
         </a:spcBef>
-        <a:buFont typeface="Arial" panose="020B0604020202020204" pitchFamily="34" charset="0"/>
+        <a:buFont typeface="Arial" panose="02080604020202020204" pitchFamily="34" charset="0"/>
         <a:buChar char="•"/>
         <a:defRPr sz="1800" kern="1200">
           <a:solidFill>
@@ -3314,7 +3314,7 @@
         <a:spcBef>
           <a:spcPts val="500"/>
         </a:spcBef>
-        <a:buFont typeface="Arial" panose="020B0604020202020204" pitchFamily="34" charset="0"/>
+        <a:buFont typeface="Arial" panose="02080604020202020204" pitchFamily="34" charset="0"/>
         <a:buChar char="•"/>
         <a:defRPr sz="1800" kern="1200">
           <a:solidFill>
@@ -3332,7 +3332,7 @@
         <a:spcBef>
           <a:spcPts val="500"/>
         </a:spcBef>
-        <a:buFont typeface="Arial" panose="020B0604020202020204" pitchFamily="34" charset="0"/>
+        <a:buFont typeface="Arial" panose="02080604020202020204" pitchFamily="34" charset="0"/>
         <a:buChar char="•"/>
         <a:defRPr sz="1800" kern="1200">
           <a:solidFill>
@@ -3468,10 +3468,10 @@
           <a:bodyPr/>
           <a:p>
             <a:r>
-              <a:rPr lang="" altLang="zh-CN"/>
+              <a:rPr lang="en-US" altLang="zh-CN"/>
               <a:t>manacher</a:t>
             </a:r>
-            <a:endParaRPr lang="" altLang="zh-CN"/>
+            <a:endParaRPr lang="en-US" altLang="zh-CN"/>
           </a:p>
         </p:txBody>
       </p:sp>
@@ -3490,10 +3490,10 @@
           <a:bodyPr/>
           <a:p>
             <a:r>
-              <a:rPr lang="" altLang="zh-CN" sz="3200"/>
+              <a:rPr lang="en-US" altLang="zh-CN" sz="3200"/>
               <a:t>寻找回文串</a:t>
             </a:r>
-            <a:endParaRPr lang="" altLang="zh-CN" sz="3200"/>
+            <a:endParaRPr lang="en-US" altLang="zh-CN" sz="3200"/>
           </a:p>
         </p:txBody>
       </p:sp>
@@ -3876,6 +3876,30 @@
           </a:p>
         </p:txBody>
       </p:sp>
+      <p:pic>
+        <p:nvPicPr>
+          <p:cNvPr id="4" name="图片 3"/>
+          <p:cNvPicPr>
+            <a:picLocks noChangeAspect="1"/>
+          </p:cNvPicPr>
+          <p:nvPr/>
+        </p:nvPicPr>
+        <p:blipFill>
+          <a:blip r:embed="rId1"/>
+          <a:stretch>
+            <a:fillRect/>
+          </a:stretch>
+        </p:blipFill>
+        <p:spPr>
+          <a:xfrm>
+            <a:off x="819785" y="3485515"/>
+            <a:ext cx="9628505" cy="2623185"/>
+          </a:xfrm>
+          <a:prstGeom prst="rect">
+            <a:avLst/>
+          </a:prstGeom>
+        </p:spPr>
+      </p:pic>
     </p:spTree>
   </p:cSld>
   <p:clrMapOvr>
